--- a/Lecture slides/AMOS B03 - Agile Processes.pptx
+++ b/Lecture slides/AMOS B03 - Agile Processes.pptx
@@ -12453,7 +12453,7 @@
             <a:tbl>
               <a:tblPr>
                 <a:noFill/>
-                <a:tableStyleId>{F2D1E97C-49CD-405C-B589-4EE651487C88}</a:tableStyleId>
+                <a:tableStyleId>{611A484F-3175-43B6-8350-E5F995CEAC5A}</a:tableStyleId>
               </a:tblPr>
               <a:tblGrid>
                 <a:gridCol w="3838950"/>
@@ -13353,7 +13353,7 @@
             <a:tbl>
               <a:tblPr>
                 <a:noFill/>
-                <a:tableStyleId>{F2D1E97C-49CD-405C-B589-4EE651487C88}</a:tableStyleId>
+                <a:tableStyleId>{611A484F-3175-43B6-8350-E5F995CEAC5A}</a:tableStyleId>
               </a:tblPr>
               <a:tblGrid>
                 <a:gridCol w="2865125"/>

--- a/Lecture slides/AMOS B03 - Agile Processes.pptx
+++ b/Lecture slides/AMOS B03 - Agile Processes.pptx
@@ -4902,7 +4902,7 @@
             <a:avLst/>
           </a:prstGeom>
           <a:solidFill>
-            <a:schemeClr val="accent1"/>
+            <a:schemeClr val="accent3"/>
           </a:solidFill>
           <a:ln>
             <a:noFill/>
@@ -4926,7 +4926,11 @@
             <a:r>
               <a:t/>
             </a:r>
-            <a:endParaRPr/>
+            <a:endParaRPr>
+              <a:solidFill>
+                <a:schemeClr val="dk1"/>
+              </a:solidFill>
+            </a:endParaRPr>
           </a:p>
         </p:txBody>
       </p:sp>
@@ -5095,7 +5099,7 @@
             <a:avLst/>
           </a:prstGeom>
           <a:solidFill>
-            <a:schemeClr val="accent1"/>
+            <a:schemeClr val="accent3"/>
           </a:solidFill>
           <a:ln>
             <a:noFill/>
@@ -5119,7 +5123,11 @@
             <a:r>
               <a:t/>
             </a:r>
-            <a:endParaRPr/>
+            <a:endParaRPr>
+              <a:solidFill>
+                <a:schemeClr val="dk1"/>
+              </a:solidFill>
+            </a:endParaRPr>
           </a:p>
         </p:txBody>
       </p:sp>
@@ -5555,7 +5563,7 @@
             <a:avLst/>
           </a:prstGeom>
           <a:solidFill>
-            <a:schemeClr val="accent1"/>
+            <a:schemeClr val="accent3"/>
           </a:solidFill>
           <a:ln>
             <a:noFill/>
@@ -5579,7 +5587,11 @@
             <a:r>
               <a:t/>
             </a:r>
-            <a:endParaRPr/>
+            <a:endParaRPr>
+              <a:solidFill>
+                <a:schemeClr val="dk1"/>
+              </a:solidFill>
+            </a:endParaRPr>
           </a:p>
         </p:txBody>
       </p:sp>
@@ -6143,7 +6155,7 @@
             <a:avLst/>
           </a:prstGeom>
           <a:solidFill>
-            <a:schemeClr val="accent1"/>
+            <a:schemeClr val="accent3"/>
           </a:solidFill>
           <a:ln>
             <a:noFill/>
@@ -6167,7 +6179,11 @@
             <a:r>
               <a:t/>
             </a:r>
-            <a:endParaRPr/>
+            <a:endParaRPr>
+              <a:solidFill>
+                <a:schemeClr val="dk1"/>
+              </a:solidFill>
+            </a:endParaRPr>
           </a:p>
         </p:txBody>
       </p:sp>
@@ -6478,7 +6494,7 @@
             <a:avLst/>
           </a:prstGeom>
           <a:solidFill>
-            <a:schemeClr val="accent1"/>
+            <a:schemeClr val="accent3"/>
           </a:solidFill>
           <a:ln>
             <a:noFill/>
@@ -12453,7 +12469,7 @@
             <a:tbl>
               <a:tblPr>
                 <a:noFill/>
-                <a:tableStyleId>{611A484F-3175-43B6-8350-E5F995CEAC5A}</a:tableStyleId>
+                <a:tableStyleId>{79AB1EC3-F415-4AE9-9267-DA8A2F6425BA}</a:tableStyleId>
               </a:tblPr>
               <a:tblGrid>
                 <a:gridCol w="3838950"/>
@@ -12535,7 +12551,7 @@
                       <a:tailEnd len="sm" w="sm" type="none"/>
                     </a:lnB>
                     <a:solidFill>
-                      <a:schemeClr val="lt2"/>
+                      <a:schemeClr val="accent1"/>
                     </a:solidFill>
                   </a:tcPr>
                 </a:tc>
@@ -12606,7 +12622,7 @@
                       <a:tailEnd len="sm" w="sm" type="none"/>
                     </a:lnB>
                     <a:solidFill>
-                      <a:schemeClr val="lt2"/>
+                      <a:schemeClr val="accent1"/>
                     </a:solidFill>
                   </a:tcPr>
                 </a:tc>
@@ -12677,7 +12693,7 @@
                       <a:tailEnd len="sm" w="sm" type="none"/>
                     </a:lnB>
                     <a:solidFill>
-                      <a:schemeClr val="lt2"/>
+                      <a:schemeClr val="accent1"/>
                     </a:solidFill>
                   </a:tcPr>
                 </a:tc>
@@ -12988,7 +13004,7 @@
                       <a:tailEnd len="sm" w="sm" type="none"/>
                     </a:lnB>
                     <a:solidFill>
-                      <a:schemeClr val="lt2"/>
+                      <a:schemeClr val="accent1"/>
                     </a:solidFill>
                   </a:tcPr>
                 </a:tc>
@@ -13059,7 +13075,7 @@
                       <a:tailEnd len="sm" w="sm" type="none"/>
                     </a:lnB>
                     <a:solidFill>
-                      <a:schemeClr val="lt2"/>
+                      <a:schemeClr val="accent1"/>
                     </a:solidFill>
                   </a:tcPr>
                 </a:tc>
@@ -13130,7 +13146,7 @@
                       <a:tailEnd len="sm" w="sm" type="none"/>
                     </a:lnB>
                     <a:solidFill>
-                      <a:schemeClr val="lt2"/>
+                      <a:schemeClr val="accent1"/>
                     </a:solidFill>
                   </a:tcPr>
                 </a:tc>
@@ -13353,7 +13369,7 @@
             <a:tbl>
               <a:tblPr>
                 <a:noFill/>
-                <a:tableStyleId>{611A484F-3175-43B6-8350-E5F995CEAC5A}</a:tableStyleId>
+                <a:tableStyleId>{79AB1EC3-F415-4AE9-9267-DA8A2F6425BA}</a:tableStyleId>
               </a:tblPr>
               <a:tblGrid>
                 <a:gridCol w="2865125"/>
@@ -13428,7 +13444,7 @@
                       <a:tailEnd len="sm" w="sm" type="none"/>
                     </a:lnB>
                     <a:solidFill>
-                      <a:schemeClr val="accent4"/>
+                      <a:schemeClr val="dk2"/>
                     </a:solidFill>
                   </a:tcPr>
                 </a:tc>
@@ -13514,7 +13530,7 @@
                       <a:tailEnd len="sm" w="sm" type="none"/>
                     </a:lnB>
                     <a:solidFill>
-                      <a:schemeClr val="accent4"/>
+                      <a:schemeClr val="dk2"/>
                     </a:solidFill>
                   </a:tcPr>
                 </a:tc>
@@ -13600,7 +13616,7 @@
                       <a:tailEnd len="sm" w="sm" type="none"/>
                     </a:lnB>
                     <a:solidFill>
-                      <a:schemeClr val="accent4"/>
+                      <a:schemeClr val="dk2"/>
                     </a:solidFill>
                   </a:tcPr>
                 </a:tc>
@@ -13856,7 +13872,7 @@
                       <a:tailEnd len="sm" w="sm" type="none"/>
                     </a:lnB>
                     <a:solidFill>
-                      <a:schemeClr val="lt2"/>
+                      <a:schemeClr val="accent1"/>
                     </a:solidFill>
                   </a:tcPr>
                 </a:tc>
@@ -13919,7 +13935,7 @@
                       <a:tailEnd len="sm" w="sm" type="none"/>
                     </a:lnB>
                     <a:solidFill>
-                      <a:schemeClr val="lt2"/>
+                      <a:schemeClr val="accent1"/>
                     </a:solidFill>
                   </a:tcPr>
                 </a:tc>
@@ -13982,7 +13998,7 @@
                       <a:tailEnd len="sm" w="sm" type="none"/>
                     </a:lnB>
                     <a:solidFill>
-                      <a:schemeClr val="lt2"/>
+                      <a:schemeClr val="accent1"/>
                     </a:solidFill>
                   </a:tcPr>
                 </a:tc>
@@ -15092,7 +15108,7 @@
             <a:avLst/>
           </a:prstGeom>
           <a:solidFill>
-            <a:schemeClr val="lt2"/>
+            <a:schemeClr val="accent1"/>
           </a:solidFill>
           <a:ln>
             <a:noFill/>
@@ -17834,28 +17850,28 @@
         <a:srgbClr val="FFFFFF"/>
       </a:lt1>
       <a:dk2>
-        <a:srgbClr val="808080"/>
+        <a:srgbClr val="404040"/>
       </a:dk2>
       <a:lt2>
-        <a:srgbClr val="DCDCDC"/>
+        <a:srgbClr val="808080"/>
       </a:lt2>
       <a:accent1>
-        <a:srgbClr val="D50D01"/>
+        <a:srgbClr val="D0D0D0"/>
       </a:accent1>
       <a:accent2>
-        <a:srgbClr val="448AFF"/>
+        <a:srgbClr val="4169E1"/>
       </a:accent2>
       <a:accent3>
         <a:srgbClr val="D50D01"/>
       </a:accent3>
       <a:accent4>
-        <a:srgbClr val="424242"/>
+        <a:srgbClr val="FEB612"/>
       </a:accent4>
       <a:accent5>
-        <a:srgbClr val="3F51B5"/>
+        <a:srgbClr val="4CAF50"/>
       </a:accent5>
       <a:accent6>
-        <a:srgbClr val="4CAF50"/>
+        <a:srgbClr val="8E44AD"/>
       </a:accent6>
       <a:hlink>
         <a:srgbClr val="34A3C5"/>

--- a/Lecture slides/AMOS B03 - Agile Processes.pptx
+++ b/Lecture slides/AMOS B03 - Agile Processes.pptx
@@ -3812,7 +3812,7 @@
       </p:grpSpPr>
       <p:sp>
         <p:nvSpPr>
-          <p:cNvPr id="292" name="Google Shape;292;g1a19fae1b80_0_65:notes"/>
+          <p:cNvPr id="292" name="Google Shape;292;g1e1c0775d90_0_38:notes"/>
           <p:cNvSpPr/>
           <p:nvPr>
             <p:ph idx="2" type="sldImg"/>
@@ -3847,7 +3847,7 @@
       </p:sp>
       <p:sp>
         <p:nvSpPr>
-          <p:cNvPr id="293" name="Google Shape;293;g1a19fae1b80_0_65:notes"/>
+          <p:cNvPr id="293" name="Google Shape;293;g1e1c0775d90_0_38:notes"/>
           <p:cNvSpPr txBox="1"/>
           <p:nvPr>
             <p:ph idx="1" type="body"/>
@@ -3911,7 +3911,7 @@
       </p:grpSpPr>
       <p:sp>
         <p:nvSpPr>
-          <p:cNvPr id="298" name="Google Shape;298;g1a19fae1b80_0_70:notes"/>
+          <p:cNvPr id="298" name="Google Shape;298;g1e1c0775d90_0_43:notes"/>
           <p:cNvSpPr/>
           <p:nvPr>
             <p:ph idx="2" type="sldImg"/>
@@ -3946,7 +3946,7 @@
       </p:sp>
       <p:sp>
         <p:nvSpPr>
-          <p:cNvPr id="299" name="Google Shape;299;g1a19fae1b80_0_70:notes"/>
+          <p:cNvPr id="299" name="Google Shape;299;g1e1c0775d90_0_43:notes"/>
           <p:cNvSpPr txBox="1"/>
           <p:nvPr>
             <p:ph idx="1" type="body"/>
@@ -12028,6 +12028,23 @@
             </a:pPr>
             <a:r>
               <a:rPr lang="en"/>
+              <a:t>Regulators</a:t>
+            </a:r>
+            <a:endParaRPr/>
+          </a:p>
+          <a:p>
+            <a:pPr indent="-342900" lvl="0" marL="457200" rtl="0" algn="l">
+              <a:spcBef>
+                <a:spcPts val="0"/>
+              </a:spcBef>
+              <a:spcAft>
+                <a:spcPts val="0"/>
+              </a:spcAft>
+              <a:buSzPts val="1800"/>
+              <a:buChar char="●"/>
+            </a:pPr>
+            <a:r>
+              <a:rPr lang="en"/>
               <a:t>…</a:t>
             </a:r>
             <a:endParaRPr/>
@@ -12469,7 +12486,7 @@
             <a:tbl>
               <a:tblPr>
                 <a:noFill/>
-                <a:tableStyleId>{79AB1EC3-F415-4AE9-9267-DA8A2F6425BA}</a:tableStyleId>
+                <a:tableStyleId>{526EF9FA-5E7A-4A24-888A-F02011070EBB}</a:tableStyleId>
               </a:tblPr>
               <a:tblGrid>
                 <a:gridCol w="3838950"/>
@@ -13369,7 +13386,7 @@
             <a:tbl>
               <a:tblPr>
                 <a:noFill/>
-                <a:tableStyleId>{79AB1EC3-F415-4AE9-9267-DA8A2F6425BA}</a:tableStyleId>
+                <a:tableStyleId>{526EF9FA-5E7A-4A24-888A-F02011070EBB}</a:tableStyleId>
               </a:tblPr>
               <a:tblGrid>
                 <a:gridCol w="2865125"/>
@@ -13767,9 +13784,42 @@
                             <a:schemeClr val="dk1"/>
                           </a:solidFill>
                         </a:rPr>
-                        <a:t>Business analyst</a:t>
+                        <a:t>Business analyst, </a:t>
                       </a:r>
-                      <a:endParaRPr sz="1800"/>
+                      <a:endParaRPr sz="1800">
+                        <a:solidFill>
+                          <a:schemeClr val="dk1"/>
+                        </a:solidFill>
+                      </a:endParaRPr>
+                    </a:p>
+                    <a:p>
+                      <a:pPr indent="0" lvl="0" marL="0" rtl="0" algn="l">
+                        <a:spcBef>
+                          <a:spcPts val="0"/>
+                        </a:spcBef>
+                        <a:spcAft>
+                          <a:spcPts val="0"/>
+                        </a:spcAft>
+                        <a:buClr>
+                          <a:schemeClr val="dk1"/>
+                        </a:buClr>
+                        <a:buSzPts val="1100"/>
+                        <a:buFont typeface="Arial"/>
+                        <a:buNone/>
+                      </a:pPr>
+                      <a:r>
+                        <a:rPr lang="en" sz="1800">
+                          <a:solidFill>
+                            <a:schemeClr val="dk1"/>
+                          </a:solidFill>
+                        </a:rPr>
+                        <a:t>Requirements engineer</a:t>
+                      </a:r>
+                      <a:endParaRPr sz="1800">
+                        <a:solidFill>
+                          <a:schemeClr val="dk1"/>
+                        </a:solidFill>
+                      </a:endParaRPr>
                     </a:p>
                   </a:txBody>
                   <a:tcPr marT="91425" marB="91425" marR="91425" marL="91425">
@@ -14080,7 +14130,7 @@
                       </a:pPr>
                       <a:r>
                         <a:rPr lang="en" sz="1800"/>
-                        <a:t>Product requirements documentation</a:t>
+                        <a:t>Product requirements documentation (PRD)</a:t>
                       </a:r>
                       <a:endParaRPr sz="1800"/>
                     </a:p>
@@ -15782,7 +15832,7 @@
             </a:pPr>
             <a:r>
               <a:rPr lang="en"/>
-              <a:t>Process improvement (Scrum Master)</a:t>
+              <a:t>Process improvement; the Scrum Master</a:t>
             </a:r>
             <a:endParaRPr/>
           </a:p>
@@ -15799,7 +15849,7 @@
             </a:pPr>
             <a:r>
               <a:rPr lang="en"/>
-              <a:t>Observes and facilitates team dynamics</a:t>
+              <a:t>Observes problems and opportunities</a:t>
             </a:r>
             <a:endParaRPr/>
           </a:p>
@@ -15816,7 +15866,7 @@
             </a:pPr>
             <a:r>
               <a:rPr lang="en"/>
-              <a:t>Removes or reduces process impediments</a:t>
+              <a:t>Facilitates impediments resolution and improvements</a:t>
             </a:r>
             <a:endParaRPr/>
           </a:p>
@@ -16355,14 +16405,10 @@
               <a:t>https://profriehle.com</a:t>
             </a:r>
             <a:r>
-              <a:rPr b="0" lang="en" sz="900">
-                <a:solidFill>
-                  <a:schemeClr val="dk2"/>
-                </a:solidFill>
-              </a:rPr>
+              <a:rPr b="0" lang="en" sz="900"/>
               <a:t> </a:t>
             </a:r>
-            <a:endParaRPr/>
+            <a:endParaRPr b="0" sz="900"/>
           </a:p>
         </p:txBody>
       </p:sp>
@@ -17840,6 +17886,285 @@
 </file>
 
 <file path=ppt/theme/theme1.xml><?xml version="1.0" encoding="utf-8"?>
+<a:theme xmlns:a="http://schemas.openxmlformats.org/drawingml/2006/main" xmlns:r="http://schemas.openxmlformats.org/officeDocument/2006/relationships">
+  <a:themeElements>
+    <a:clrScheme name="Default">
+      <a:dk1>
+        <a:srgbClr val="000000"/>
+      </a:dk1>
+      <a:lt1>
+        <a:srgbClr val="FFFFFF"/>
+      </a:lt1>
+      <a:dk2>
+        <a:srgbClr val="158158"/>
+      </a:dk2>
+      <a:lt2>
+        <a:srgbClr val="F3F3F3"/>
+      </a:lt2>
+      <a:accent1>
+        <a:srgbClr val="058DC7"/>
+      </a:accent1>
+      <a:accent2>
+        <a:srgbClr val="50B432"/>
+      </a:accent2>
+      <a:accent3>
+        <a:srgbClr val="ED561B"/>
+      </a:accent3>
+      <a:accent4>
+        <a:srgbClr val="EDEF00"/>
+      </a:accent4>
+      <a:accent5>
+        <a:srgbClr val="24CBE5"/>
+      </a:accent5>
+      <a:accent6>
+        <a:srgbClr val="64E572"/>
+      </a:accent6>
+      <a:hlink>
+        <a:srgbClr val="2200CC"/>
+      </a:hlink>
+      <a:folHlink>
+        <a:srgbClr val="551A8B"/>
+      </a:folHlink>
+    </a:clrScheme>
+    <a:fontScheme name="Office">
+      <a:majorFont>
+        <a:latin typeface="Arial"/>
+        <a:ea typeface=""/>
+        <a:cs typeface=""/>
+        <a:font script="Jpan" typeface="ＭＳ Ｐゴシック"/>
+        <a:font script="Hang" typeface="맑은 고딕"/>
+        <a:font script="Hans" typeface="宋体"/>
+        <a:font script="Hant" typeface="新細明體"/>
+        <a:font script="Arab" typeface="Times New Roman"/>
+        <a:font script="Hebr" typeface="Times New Roman"/>
+        <a:font script="Thai" typeface="Angsana New"/>
+        <a:font script="Ethi" typeface="Nyala"/>
+        <a:font script="Beng" typeface="Vrinda"/>
+        <a:font script="Gujr" typeface="Shruti"/>
+        <a:font script="Khmr" typeface="MoolBoran"/>
+        <a:font script="Knda" typeface="Tunga"/>
+        <a:font script="Guru" typeface="Raavi"/>
+        <a:font script="Cans" typeface="Euphemia"/>
+        <a:font script="Cher" typeface="Plantagenet Cherokee"/>
+        <a:font script="Yiii" typeface="Microsoft Yi Baiti"/>
+        <a:font script="Tibt" typeface="Microsoft Himalaya"/>
+        <a:font script="Thaa" typeface="MV Boli"/>
+        <a:font script="Deva" typeface="Mangal"/>
+        <a:font script="Telu" typeface="Gautami"/>
+        <a:font script="Taml" typeface="Latha"/>
+        <a:font script="Syrc" typeface="Estrangelo Edessa"/>
+        <a:font script="Orya" typeface="Kalinga"/>
+        <a:font script="Mlym" typeface="Kartika"/>
+        <a:font script="Laoo" typeface="DokChampa"/>
+        <a:font script="Sinh" typeface="Iskoola Pota"/>
+        <a:font script="Mong" typeface="Mongolian Baiti"/>
+        <a:font script="Viet" typeface="Times New Roman"/>
+        <a:font script="Uigh" typeface="Microsoft Uighur"/>
+        <a:font script="Geor" typeface="Sylfaen"/>
+      </a:majorFont>
+      <a:minorFont>
+        <a:latin typeface="Arial"/>
+        <a:ea typeface=""/>
+        <a:cs typeface=""/>
+        <a:font script="Jpan" typeface="ＭＳ Ｐゴシック"/>
+        <a:font script="Hang" typeface="맑은 고딕"/>
+        <a:font script="Hans" typeface="宋体"/>
+        <a:font script="Hant" typeface="新細明體"/>
+        <a:font script="Arab" typeface="Arial"/>
+        <a:font script="Hebr" typeface="Arial"/>
+        <a:font script="Thai" typeface="Cordia New"/>
+        <a:font script="Ethi" typeface="Nyala"/>
+        <a:font script="Beng" typeface="Vrinda"/>
+        <a:font script="Gujr" typeface="Shruti"/>
+        <a:font script="Khmr" typeface="DaunPenh"/>
+        <a:font script="Knda" typeface="Tunga"/>
+        <a:font script="Guru" typeface="Raavi"/>
+        <a:font script="Cans" typeface="Euphemia"/>
+        <a:font script="Cher" typeface="Plantagenet Cherokee"/>
+        <a:font script="Yiii" typeface="Microsoft Yi Baiti"/>
+        <a:font script="Tibt" typeface="Microsoft Himalaya"/>
+        <a:font script="Thaa" typeface="MV Boli"/>
+        <a:font script="Deva" typeface="Mangal"/>
+        <a:font script="Telu" typeface="Gautami"/>
+        <a:font script="Taml" typeface="Latha"/>
+        <a:font script="Syrc" typeface="Estrangelo Edessa"/>
+        <a:font script="Orya" typeface="Kalinga"/>
+        <a:font script="Mlym" typeface="Kartika"/>
+        <a:font script="Laoo" typeface="DokChampa"/>
+        <a:font script="Sinh" typeface="Iskoola Pota"/>
+        <a:font script="Mong" typeface="Mongolian Baiti"/>
+        <a:font script="Viet" typeface="Arial"/>
+        <a:font script="Uigh" typeface="Microsoft Uighur"/>
+        <a:font script="Geor" typeface="Sylfaen"/>
+      </a:minorFont>
+    </a:fontScheme>
+    <a:fmtScheme name="Office">
+      <a:fillStyleLst>
+        <a:solidFill>
+          <a:schemeClr val="phClr"/>
+        </a:solidFill>
+        <a:gradFill rotWithShape="1">
+          <a:gsLst>
+            <a:gs pos="0">
+              <a:schemeClr val="phClr">
+                <a:tint val="50000"/>
+                <a:satMod val="300000"/>
+              </a:schemeClr>
+            </a:gs>
+            <a:gs pos="35000">
+              <a:schemeClr val="phClr">
+                <a:tint val="37000"/>
+                <a:satMod val="300000"/>
+              </a:schemeClr>
+            </a:gs>
+            <a:gs pos="100000">
+              <a:schemeClr val="phClr">
+                <a:tint val="15000"/>
+                <a:satMod val="350000"/>
+              </a:schemeClr>
+            </a:gs>
+          </a:gsLst>
+          <a:lin ang="16200000" scaled="1"/>
+        </a:gradFill>
+        <a:gradFill rotWithShape="1">
+          <a:gsLst>
+            <a:gs pos="0">
+              <a:schemeClr val="phClr">
+                <a:tint val="100000"/>
+                <a:shade val="100000"/>
+                <a:satMod val="130000"/>
+              </a:schemeClr>
+            </a:gs>
+            <a:gs pos="100000">
+              <a:schemeClr val="phClr">
+                <a:tint val="50000"/>
+                <a:shade val="100000"/>
+                <a:satMod val="350000"/>
+              </a:schemeClr>
+            </a:gs>
+          </a:gsLst>
+          <a:lin ang="16200000" scaled="0"/>
+        </a:gradFill>
+      </a:fillStyleLst>
+      <a:lnStyleLst>
+        <a:ln w="9525" cap="flat" cmpd="sng" algn="ctr">
+          <a:solidFill>
+            <a:schemeClr val="phClr">
+              <a:shade val="95000"/>
+              <a:satMod val="105000"/>
+            </a:schemeClr>
+          </a:solidFill>
+          <a:prstDash val="solid"/>
+        </a:ln>
+        <a:ln w="25400" cap="flat" cmpd="sng" algn="ctr">
+          <a:solidFill>
+            <a:schemeClr val="phClr"/>
+          </a:solidFill>
+          <a:prstDash val="solid"/>
+        </a:ln>
+        <a:ln w="38100" cap="flat" cmpd="sng" algn="ctr">
+          <a:solidFill>
+            <a:schemeClr val="phClr"/>
+          </a:solidFill>
+          <a:prstDash val="solid"/>
+        </a:ln>
+      </a:lnStyleLst>
+      <a:effectStyleLst>
+        <a:effectStyle>
+          <a:effectLst>
+            <a:outerShdw blurRad="40000" dist="20000" dir="5400000" rotWithShape="0">
+              <a:srgbClr val="000000">
+                <a:alpha val="38000"/>
+              </a:srgbClr>
+            </a:outerShdw>
+          </a:effectLst>
+        </a:effectStyle>
+        <a:effectStyle>
+          <a:effectLst>
+            <a:outerShdw blurRad="40000" dist="23000" dir="5400000" rotWithShape="0">
+              <a:srgbClr val="000000">
+                <a:alpha val="35000"/>
+              </a:srgbClr>
+            </a:outerShdw>
+          </a:effectLst>
+        </a:effectStyle>
+        <a:effectStyle>
+          <a:effectLst>
+            <a:outerShdw blurRad="40000" dist="23000" dir="5400000" rotWithShape="0">
+              <a:srgbClr val="000000">
+                <a:alpha val="35000"/>
+              </a:srgbClr>
+            </a:outerShdw>
+          </a:effectLst>
+          <a:scene3d>
+            <a:camera prst="orthographicFront">
+              <a:rot lat="0" lon="0" rev="0"/>
+            </a:camera>
+            <a:lightRig rig="threePt" dir="t">
+              <a:rot lat="0" lon="0" rev="1200000"/>
+            </a:lightRig>
+          </a:scene3d>
+          <a:sp3d>
+            <a:bevelT w="63500" h="25400"/>
+          </a:sp3d>
+        </a:effectStyle>
+      </a:effectStyleLst>
+      <a:bgFillStyleLst>
+        <a:solidFill>
+          <a:schemeClr val="phClr"/>
+        </a:solidFill>
+        <a:gradFill rotWithShape="1">
+          <a:gsLst>
+            <a:gs pos="0">
+              <a:schemeClr val="phClr">
+                <a:tint val="40000"/>
+                <a:satMod val="350000"/>
+              </a:schemeClr>
+            </a:gs>
+            <a:gs pos="40000">
+              <a:schemeClr val="phClr">
+                <a:tint val="45000"/>
+                <a:shade val="99000"/>
+                <a:satMod val="350000"/>
+              </a:schemeClr>
+            </a:gs>
+            <a:gs pos="100000">
+              <a:schemeClr val="phClr">
+                <a:shade val="20000"/>
+                <a:satMod val="255000"/>
+              </a:schemeClr>
+            </a:gs>
+          </a:gsLst>
+          <a:path path="circle">
+            <a:fillToRect l="50000" t="-80000" r="50000" b="180000"/>
+          </a:path>
+        </a:gradFill>
+        <a:gradFill rotWithShape="1">
+          <a:gsLst>
+            <a:gs pos="0">
+              <a:schemeClr val="phClr">
+                <a:tint val="80000"/>
+                <a:satMod val="300000"/>
+              </a:schemeClr>
+            </a:gs>
+            <a:gs pos="100000">
+              <a:schemeClr val="phClr">
+                <a:shade val="30000"/>
+                <a:satMod val="200000"/>
+              </a:schemeClr>
+            </a:gs>
+          </a:gsLst>
+          <a:path path="circle">
+            <a:fillToRect l="50000" t="50000" r="50000" b="50000"/>
+          </a:path>
+        </a:gradFill>
+      </a:bgFillStyleLst>
+    </a:fmtScheme>
+  </a:themeElements>
+</a:theme>
+</file>
+
+<file path=ppt/theme/theme2.xml><?xml version="1.0" encoding="utf-8"?>
 <a:theme xmlns:a="http://schemas.openxmlformats.org/drawingml/2006/main" xmlns:r="http://schemas.openxmlformats.org/officeDocument/2006/relationships" name="AMOS Slides Template">
   <a:themeElements>
     <a:clrScheme name="Simple Light">
@@ -18116,283 +18441,4 @@
     </a:fmtScheme>
   </a:themeElements>
 </a:theme>
-</file>
-
-<file path=ppt/theme/theme2.xml><?xml version="1.0" encoding="utf-8"?>
-<a:theme xmlns:a="http://schemas.openxmlformats.org/drawingml/2006/main" xmlns:r="http://schemas.openxmlformats.org/officeDocument/2006/relationships">
-  <a:themeElements>
-    <a:clrScheme name="Default">
-      <a:dk1>
-        <a:srgbClr val="000000"/>
-      </a:dk1>
-      <a:lt1>
-        <a:srgbClr val="FFFFFF"/>
-      </a:lt1>
-      <a:dk2>
-        <a:srgbClr val="158158"/>
-      </a:dk2>
-      <a:lt2>
-        <a:srgbClr val="F3F3F3"/>
-      </a:lt2>
-      <a:accent1>
-        <a:srgbClr val="058DC7"/>
-      </a:accent1>
-      <a:accent2>
-        <a:srgbClr val="50B432"/>
-      </a:accent2>
-      <a:accent3>
-        <a:srgbClr val="ED561B"/>
-      </a:accent3>
-      <a:accent4>
-        <a:srgbClr val="EDEF00"/>
-      </a:accent4>
-      <a:accent5>
-        <a:srgbClr val="24CBE5"/>
-      </a:accent5>
-      <a:accent6>
-        <a:srgbClr val="64E572"/>
-      </a:accent6>
-      <a:hlink>
-        <a:srgbClr val="2200CC"/>
-      </a:hlink>
-      <a:folHlink>
-        <a:srgbClr val="551A8B"/>
-      </a:folHlink>
-    </a:clrScheme>
-    <a:fontScheme name="Office">
-      <a:majorFont>
-        <a:latin typeface="Arial"/>
-        <a:ea typeface=""/>
-        <a:cs typeface=""/>
-        <a:font script="Jpan" typeface="ＭＳ Ｐゴシック"/>
-        <a:font script="Hang" typeface="맑은 고딕"/>
-        <a:font script="Hans" typeface="宋体"/>
-        <a:font script="Hant" typeface="新細明體"/>
-        <a:font script="Arab" typeface="Times New Roman"/>
-        <a:font script="Hebr" typeface="Times New Roman"/>
-        <a:font script="Thai" typeface="Angsana New"/>
-        <a:font script="Ethi" typeface="Nyala"/>
-        <a:font script="Beng" typeface="Vrinda"/>
-        <a:font script="Gujr" typeface="Shruti"/>
-        <a:font script="Khmr" typeface="MoolBoran"/>
-        <a:font script="Knda" typeface="Tunga"/>
-        <a:font script="Guru" typeface="Raavi"/>
-        <a:font script="Cans" typeface="Euphemia"/>
-        <a:font script="Cher" typeface="Plantagenet Cherokee"/>
-        <a:font script="Yiii" typeface="Microsoft Yi Baiti"/>
-        <a:font script="Tibt" typeface="Microsoft Himalaya"/>
-        <a:font script="Thaa" typeface="MV Boli"/>
-        <a:font script="Deva" typeface="Mangal"/>
-        <a:font script="Telu" typeface="Gautami"/>
-        <a:font script="Taml" typeface="Latha"/>
-        <a:font script="Syrc" typeface="Estrangelo Edessa"/>
-        <a:font script="Orya" typeface="Kalinga"/>
-        <a:font script="Mlym" typeface="Kartika"/>
-        <a:font script="Laoo" typeface="DokChampa"/>
-        <a:font script="Sinh" typeface="Iskoola Pota"/>
-        <a:font script="Mong" typeface="Mongolian Baiti"/>
-        <a:font script="Viet" typeface="Times New Roman"/>
-        <a:font script="Uigh" typeface="Microsoft Uighur"/>
-        <a:font script="Geor" typeface="Sylfaen"/>
-      </a:majorFont>
-      <a:minorFont>
-        <a:latin typeface="Arial"/>
-        <a:ea typeface=""/>
-        <a:cs typeface=""/>
-        <a:font script="Jpan" typeface="ＭＳ Ｐゴシック"/>
-        <a:font script="Hang" typeface="맑은 고딕"/>
-        <a:font script="Hans" typeface="宋体"/>
-        <a:font script="Hant" typeface="新細明體"/>
-        <a:font script="Arab" typeface="Arial"/>
-        <a:font script="Hebr" typeface="Arial"/>
-        <a:font script="Thai" typeface="Cordia New"/>
-        <a:font script="Ethi" typeface="Nyala"/>
-        <a:font script="Beng" typeface="Vrinda"/>
-        <a:font script="Gujr" typeface="Shruti"/>
-        <a:font script="Khmr" typeface="DaunPenh"/>
-        <a:font script="Knda" typeface="Tunga"/>
-        <a:font script="Guru" typeface="Raavi"/>
-        <a:font script="Cans" typeface="Euphemia"/>
-        <a:font script="Cher" typeface="Plantagenet Cherokee"/>
-        <a:font script="Yiii" typeface="Microsoft Yi Baiti"/>
-        <a:font script="Tibt" typeface="Microsoft Himalaya"/>
-        <a:font script="Thaa" typeface="MV Boli"/>
-        <a:font script="Deva" typeface="Mangal"/>
-        <a:font script="Telu" typeface="Gautami"/>
-        <a:font script="Taml" typeface="Latha"/>
-        <a:font script="Syrc" typeface="Estrangelo Edessa"/>
-        <a:font script="Orya" typeface="Kalinga"/>
-        <a:font script="Mlym" typeface="Kartika"/>
-        <a:font script="Laoo" typeface="DokChampa"/>
-        <a:font script="Sinh" typeface="Iskoola Pota"/>
-        <a:font script="Mong" typeface="Mongolian Baiti"/>
-        <a:font script="Viet" typeface="Arial"/>
-        <a:font script="Uigh" typeface="Microsoft Uighur"/>
-        <a:font script="Geor" typeface="Sylfaen"/>
-      </a:minorFont>
-    </a:fontScheme>
-    <a:fmtScheme name="Office">
-      <a:fillStyleLst>
-        <a:solidFill>
-          <a:schemeClr val="phClr"/>
-        </a:solidFill>
-        <a:gradFill rotWithShape="1">
-          <a:gsLst>
-            <a:gs pos="0">
-              <a:schemeClr val="phClr">
-                <a:tint val="50000"/>
-                <a:satMod val="300000"/>
-              </a:schemeClr>
-            </a:gs>
-            <a:gs pos="35000">
-              <a:schemeClr val="phClr">
-                <a:tint val="37000"/>
-                <a:satMod val="300000"/>
-              </a:schemeClr>
-            </a:gs>
-            <a:gs pos="100000">
-              <a:schemeClr val="phClr">
-                <a:tint val="15000"/>
-                <a:satMod val="350000"/>
-              </a:schemeClr>
-            </a:gs>
-          </a:gsLst>
-          <a:lin ang="16200000" scaled="1"/>
-        </a:gradFill>
-        <a:gradFill rotWithShape="1">
-          <a:gsLst>
-            <a:gs pos="0">
-              <a:schemeClr val="phClr">
-                <a:tint val="100000"/>
-                <a:shade val="100000"/>
-                <a:satMod val="130000"/>
-              </a:schemeClr>
-            </a:gs>
-            <a:gs pos="100000">
-              <a:schemeClr val="phClr">
-                <a:tint val="50000"/>
-                <a:shade val="100000"/>
-                <a:satMod val="350000"/>
-              </a:schemeClr>
-            </a:gs>
-          </a:gsLst>
-          <a:lin ang="16200000" scaled="0"/>
-        </a:gradFill>
-      </a:fillStyleLst>
-      <a:lnStyleLst>
-        <a:ln w="9525" cap="flat" cmpd="sng" algn="ctr">
-          <a:solidFill>
-            <a:schemeClr val="phClr">
-              <a:shade val="95000"/>
-              <a:satMod val="105000"/>
-            </a:schemeClr>
-          </a:solidFill>
-          <a:prstDash val="solid"/>
-        </a:ln>
-        <a:ln w="25400" cap="flat" cmpd="sng" algn="ctr">
-          <a:solidFill>
-            <a:schemeClr val="phClr"/>
-          </a:solidFill>
-          <a:prstDash val="solid"/>
-        </a:ln>
-        <a:ln w="38100" cap="flat" cmpd="sng" algn="ctr">
-          <a:solidFill>
-            <a:schemeClr val="phClr"/>
-          </a:solidFill>
-          <a:prstDash val="solid"/>
-        </a:ln>
-      </a:lnStyleLst>
-      <a:effectStyleLst>
-        <a:effectStyle>
-          <a:effectLst>
-            <a:outerShdw blurRad="40000" dist="20000" dir="5400000" rotWithShape="0">
-              <a:srgbClr val="000000">
-                <a:alpha val="38000"/>
-              </a:srgbClr>
-            </a:outerShdw>
-          </a:effectLst>
-        </a:effectStyle>
-        <a:effectStyle>
-          <a:effectLst>
-            <a:outerShdw blurRad="40000" dist="23000" dir="5400000" rotWithShape="0">
-              <a:srgbClr val="000000">
-                <a:alpha val="35000"/>
-              </a:srgbClr>
-            </a:outerShdw>
-          </a:effectLst>
-        </a:effectStyle>
-        <a:effectStyle>
-          <a:effectLst>
-            <a:outerShdw blurRad="40000" dist="23000" dir="5400000" rotWithShape="0">
-              <a:srgbClr val="000000">
-                <a:alpha val="35000"/>
-              </a:srgbClr>
-            </a:outerShdw>
-          </a:effectLst>
-          <a:scene3d>
-            <a:camera prst="orthographicFront">
-              <a:rot lat="0" lon="0" rev="0"/>
-            </a:camera>
-            <a:lightRig rig="threePt" dir="t">
-              <a:rot lat="0" lon="0" rev="1200000"/>
-            </a:lightRig>
-          </a:scene3d>
-          <a:sp3d>
-            <a:bevelT w="63500" h="25400"/>
-          </a:sp3d>
-        </a:effectStyle>
-      </a:effectStyleLst>
-      <a:bgFillStyleLst>
-        <a:solidFill>
-          <a:schemeClr val="phClr"/>
-        </a:solidFill>
-        <a:gradFill rotWithShape="1">
-          <a:gsLst>
-            <a:gs pos="0">
-              <a:schemeClr val="phClr">
-                <a:tint val="40000"/>
-                <a:satMod val="350000"/>
-              </a:schemeClr>
-            </a:gs>
-            <a:gs pos="40000">
-              <a:schemeClr val="phClr">
-                <a:tint val="45000"/>
-                <a:shade val="99000"/>
-                <a:satMod val="350000"/>
-              </a:schemeClr>
-            </a:gs>
-            <a:gs pos="100000">
-              <a:schemeClr val="phClr">
-                <a:shade val="20000"/>
-                <a:satMod val="255000"/>
-              </a:schemeClr>
-            </a:gs>
-          </a:gsLst>
-          <a:path path="circle">
-            <a:fillToRect l="50000" t="-80000" r="50000" b="180000"/>
-          </a:path>
-        </a:gradFill>
-        <a:gradFill rotWithShape="1">
-          <a:gsLst>
-            <a:gs pos="0">
-              <a:schemeClr val="phClr">
-                <a:tint val="80000"/>
-                <a:satMod val="300000"/>
-              </a:schemeClr>
-            </a:gs>
-            <a:gs pos="100000">
-              <a:schemeClr val="phClr">
-                <a:shade val="30000"/>
-                <a:satMod val="200000"/>
-              </a:schemeClr>
-            </a:gs>
-          </a:gsLst>
-          <a:path path="circle">
-            <a:fillToRect l="50000" t="50000" r="50000" b="50000"/>
-          </a:path>
-        </a:gradFill>
-      </a:bgFillStyleLst>
-    </a:fmtScheme>
-  </a:themeElements>
-</a:theme>
 </file>